--- a/docs/surf_PiCas_17_10.pptx
+++ b/docs/surf_PiCas_17_10.pptx
@@ -203,7 +203,7 @@
           <a:p>
             <a:fld id="{DEEF499D-5D06-4C0A-93C1-4EFBC05226AC}" type="datetimeFigureOut">
               <a:rPr lang="LID4096" smtClean="0"/>
-              <a:t>10/17/2023</a:t>
+              <a:t>11/22/2023</a:t>
             </a:fld>
             <a:endParaRPr lang="LID4096"/>
           </a:p>
@@ -691,7 +691,7 @@
           <a:p>
             <a:fld id="{72520918-6668-4200-834B-DD6D224E903E}" type="datetimeFigureOut">
               <a:rPr lang="LID4096" smtClean="0"/>
-              <a:t>10/17/2023</a:t>
+              <a:t>11/22/2023</a:t>
             </a:fld>
             <a:endParaRPr lang="LID4096"/>
           </a:p>
@@ -861,7 +861,7 @@
           <a:p>
             <a:fld id="{72520918-6668-4200-834B-DD6D224E903E}" type="datetimeFigureOut">
               <a:rPr lang="LID4096" smtClean="0"/>
-              <a:t>10/17/2023</a:t>
+              <a:t>11/22/2023</a:t>
             </a:fld>
             <a:endParaRPr lang="LID4096"/>
           </a:p>
@@ -1041,7 +1041,7 @@
           <a:p>
             <a:fld id="{72520918-6668-4200-834B-DD6D224E903E}" type="datetimeFigureOut">
               <a:rPr lang="LID4096" smtClean="0"/>
-              <a:t>10/17/2023</a:t>
+              <a:t>11/22/2023</a:t>
             </a:fld>
             <a:endParaRPr lang="LID4096"/>
           </a:p>
@@ -1633,7 +1633,7 @@
           <a:p>
             <a:fld id="{72520918-6668-4200-834B-DD6D224E903E}" type="datetimeFigureOut">
               <a:rPr lang="LID4096" smtClean="0"/>
-              <a:t>10/17/2023</a:t>
+              <a:t>11/22/2023</a:t>
             </a:fld>
             <a:endParaRPr lang="LID4096"/>
           </a:p>
@@ -1879,7 +1879,7 @@
           <a:p>
             <a:fld id="{72520918-6668-4200-834B-DD6D224E903E}" type="datetimeFigureOut">
               <a:rPr lang="LID4096" smtClean="0"/>
-              <a:t>10/17/2023</a:t>
+              <a:t>11/22/2023</a:t>
             </a:fld>
             <a:endParaRPr lang="LID4096"/>
           </a:p>
@@ -2111,7 +2111,7 @@
           <a:p>
             <a:fld id="{72520918-6668-4200-834B-DD6D224E903E}" type="datetimeFigureOut">
               <a:rPr lang="LID4096" smtClean="0"/>
-              <a:t>10/17/2023</a:t>
+              <a:t>11/22/2023</a:t>
             </a:fld>
             <a:endParaRPr lang="LID4096"/>
           </a:p>
@@ -2478,7 +2478,7 @@
           <a:p>
             <a:fld id="{72520918-6668-4200-834B-DD6D224E903E}" type="datetimeFigureOut">
               <a:rPr lang="LID4096" smtClean="0"/>
-              <a:t>10/17/2023</a:t>
+              <a:t>11/22/2023</a:t>
             </a:fld>
             <a:endParaRPr lang="LID4096"/>
           </a:p>
@@ -2596,7 +2596,7 @@
           <a:p>
             <a:fld id="{72520918-6668-4200-834B-DD6D224E903E}" type="datetimeFigureOut">
               <a:rPr lang="LID4096" smtClean="0"/>
-              <a:t>10/17/2023</a:t>
+              <a:t>11/22/2023</a:t>
             </a:fld>
             <a:endParaRPr lang="LID4096"/>
           </a:p>
@@ -2691,7 +2691,7 @@
           <a:p>
             <a:fld id="{72520918-6668-4200-834B-DD6D224E903E}" type="datetimeFigureOut">
               <a:rPr lang="LID4096" smtClean="0"/>
-              <a:t>10/17/2023</a:t>
+              <a:t>11/22/2023</a:t>
             </a:fld>
             <a:endParaRPr lang="LID4096"/>
           </a:p>
@@ -2968,7 +2968,7 @@
           <a:p>
             <a:fld id="{72520918-6668-4200-834B-DD6D224E903E}" type="datetimeFigureOut">
               <a:rPr lang="LID4096" smtClean="0"/>
-              <a:t>10/17/2023</a:t>
+              <a:t>11/22/2023</a:t>
             </a:fld>
             <a:endParaRPr lang="LID4096"/>
           </a:p>
@@ -3225,7 +3225,7 @@
           <a:p>
             <a:fld id="{72520918-6668-4200-834B-DD6D224E903E}" type="datetimeFigureOut">
               <a:rPr lang="LID4096" smtClean="0"/>
-              <a:t>10/17/2023</a:t>
+              <a:t>11/22/2023</a:t>
             </a:fld>
             <a:endParaRPr lang="LID4096"/>
           </a:p>
@@ -3438,7 +3438,7 @@
           <a:p>
             <a:fld id="{72520918-6668-4200-834B-DD6D224E903E}" type="datetimeFigureOut">
               <a:rPr lang="LID4096" smtClean="0"/>
-              <a:t>10/17/2023</a:t>
+              <a:t>11/22/2023</a:t>
             </a:fld>
             <a:endParaRPr lang="LID4096"/>
           </a:p>
@@ -3929,7 +3929,9 @@
           </a:xfrm>
         </p:spPr>
         <p:txBody>
-          <a:bodyPr/>
+          <a:bodyPr>
+            <a:normAutofit fontScale="55000" lnSpcReduction="20000"/>
+          </a:bodyPr>
           <a:lstStyle/>
           <a:p>
             <a:r>
@@ -3956,8 +3958,19 @@
             </a:r>
             <a:r>
               <a:rPr lang="nl-NL" dirty="0"/>
-              <a:t> Surf </a:t>
-            </a:r>
+              <a:t> Surf</a:t>
+            </a:r>
+          </a:p>
+          <a:p>
+            <a:r>
+              <a:rPr lang="nl-NL" dirty="0"/>
+              <a:t>												</a:t>
+            </a:r>
+            <a:r>
+              <a:rPr lang="nl-NL"/>
+              <a:t>					Nov 17, 2023 </a:t>
+            </a:r>
+            <a:endParaRPr lang="nl-NL" dirty="0"/>
           </a:p>
         </p:txBody>
       </p:sp>
